--- a/Лекция 10.pptx
+++ b/Лекция 10.pptx
@@ -256,7 +256,7 @@
           <a:p>
             <a:fld id="{44DBC884-B382-4302-8488-D4E467EB670D}" type="datetimeFigureOut">
               <a:rPr lang="ru-RU" smtClean="0"/>
-              <a:t>24.03.2021</a:t>
+              <a:t>28.02.2022</a:t>
             </a:fld>
             <a:endParaRPr lang="ru-RU" dirty="0"/>
           </a:p>
@@ -655,7 +655,7 @@
           <a:p>
             <a:fld id="{9F4DF3D0-C105-404D-A43B-7CBA1B97B744}" type="datetimeFigureOut">
               <a:rPr lang="ru-RU" smtClean="0"/>
-              <a:t>24.03.2021</a:t>
+              <a:t>28.02.2022</a:t>
             </a:fld>
             <a:endParaRPr lang="ru-RU" dirty="0"/>
           </a:p>
@@ -825,7 +825,7 @@
           <a:p>
             <a:fld id="{9F4DF3D0-C105-404D-A43B-7CBA1B97B744}" type="datetimeFigureOut">
               <a:rPr lang="ru-RU" smtClean="0"/>
-              <a:t>24.03.2021</a:t>
+              <a:t>28.02.2022</a:t>
             </a:fld>
             <a:endParaRPr lang="ru-RU" dirty="0"/>
           </a:p>
@@ -1005,7 +1005,7 @@
           <a:p>
             <a:fld id="{9F4DF3D0-C105-404D-A43B-7CBA1B97B744}" type="datetimeFigureOut">
               <a:rPr lang="ru-RU" smtClean="0"/>
-              <a:t>24.03.2021</a:t>
+              <a:t>28.02.2022</a:t>
             </a:fld>
             <a:endParaRPr lang="ru-RU" dirty="0"/>
           </a:p>
@@ -1175,7 +1175,7 @@
           <a:p>
             <a:fld id="{9F4DF3D0-C105-404D-A43B-7CBA1B97B744}" type="datetimeFigureOut">
               <a:rPr lang="ru-RU" smtClean="0"/>
-              <a:t>24.03.2021</a:t>
+              <a:t>28.02.2022</a:t>
             </a:fld>
             <a:endParaRPr lang="ru-RU" dirty="0"/>
           </a:p>
@@ -1421,7 +1421,7 @@
           <a:p>
             <a:fld id="{9F4DF3D0-C105-404D-A43B-7CBA1B97B744}" type="datetimeFigureOut">
               <a:rPr lang="ru-RU" smtClean="0"/>
-              <a:t>24.03.2021</a:t>
+              <a:t>28.02.2022</a:t>
             </a:fld>
             <a:endParaRPr lang="ru-RU" dirty="0"/>
           </a:p>
@@ -1653,7 +1653,7 @@
           <a:p>
             <a:fld id="{9F4DF3D0-C105-404D-A43B-7CBA1B97B744}" type="datetimeFigureOut">
               <a:rPr lang="ru-RU" smtClean="0"/>
-              <a:t>24.03.2021</a:t>
+              <a:t>28.02.2022</a:t>
             </a:fld>
             <a:endParaRPr lang="ru-RU" dirty="0"/>
           </a:p>
@@ -2020,7 +2020,7 @@
           <a:p>
             <a:fld id="{9F4DF3D0-C105-404D-A43B-7CBA1B97B744}" type="datetimeFigureOut">
               <a:rPr lang="ru-RU" smtClean="0"/>
-              <a:t>24.03.2021</a:t>
+              <a:t>28.02.2022</a:t>
             </a:fld>
             <a:endParaRPr lang="ru-RU" dirty="0"/>
           </a:p>
@@ -2138,7 +2138,7 @@
           <a:p>
             <a:fld id="{9F4DF3D0-C105-404D-A43B-7CBA1B97B744}" type="datetimeFigureOut">
               <a:rPr lang="ru-RU" smtClean="0"/>
-              <a:t>24.03.2021</a:t>
+              <a:t>28.02.2022</a:t>
             </a:fld>
             <a:endParaRPr lang="ru-RU" dirty="0"/>
           </a:p>
@@ -2233,7 +2233,7 @@
           <a:p>
             <a:fld id="{9F4DF3D0-C105-404D-A43B-7CBA1B97B744}" type="datetimeFigureOut">
               <a:rPr lang="ru-RU" smtClean="0"/>
-              <a:t>24.03.2021</a:t>
+              <a:t>28.02.2022</a:t>
             </a:fld>
             <a:endParaRPr lang="ru-RU" dirty="0"/>
           </a:p>
@@ -2510,7 +2510,7 @@
           <a:p>
             <a:fld id="{9F4DF3D0-C105-404D-A43B-7CBA1B97B744}" type="datetimeFigureOut">
               <a:rPr lang="ru-RU" smtClean="0"/>
-              <a:t>24.03.2021</a:t>
+              <a:t>28.02.2022</a:t>
             </a:fld>
             <a:endParaRPr lang="ru-RU" dirty="0"/>
           </a:p>
@@ -2763,7 +2763,7 @@
           <a:p>
             <a:fld id="{9F4DF3D0-C105-404D-A43B-7CBA1B97B744}" type="datetimeFigureOut">
               <a:rPr lang="ru-RU" smtClean="0"/>
-              <a:t>24.03.2021</a:t>
+              <a:t>28.02.2022</a:t>
             </a:fld>
             <a:endParaRPr lang="ru-RU" dirty="0"/>
           </a:p>
@@ -2976,7 +2976,7 @@
           <a:p>
             <a:fld id="{9F4DF3D0-C105-404D-A43B-7CBA1B97B744}" type="datetimeFigureOut">
               <a:rPr lang="ru-RU" smtClean="0"/>
-              <a:t>24.03.2021</a:t>
+              <a:t>28.02.2022</a:t>
             </a:fld>
             <a:endParaRPr lang="ru-RU" dirty="0"/>
           </a:p>
@@ -3437,11 +3437,15 @@
           <a:p>
             <a:r>
               <a:rPr lang="ru-RU" sz="4000" dirty="0"/>
-              <a:t>Искусственные нейронные сети и глубокое обучение</a:t>
-            </a:r>
-            <a:r>
-              <a:rPr lang="en-US" sz="4000" dirty="0" smtClean="0"/>
-              <a:t>.</a:t>
+              <a:t>Искусственные нейронные сети и </a:t>
+            </a:r>
+            <a:r>
+              <a:rPr lang="ru-RU" sz="4000"/>
+              <a:t>глубокое </a:t>
+            </a:r>
+            <a:r>
+              <a:rPr lang="ru-RU" sz="4000" smtClean="0"/>
+              <a:t>обучение</a:t>
             </a:r>
             <a:endParaRPr lang="ru-RU" sz="4000" dirty="0" smtClean="0"/>
           </a:p>
@@ -16201,11 +16205,7 @@
             </a:r>
             <a:r>
               <a:rPr lang="ru-RU" altLang="ru-RU" smtClean="0"/>
-              <a:t>шуму </a:t>
-            </a:r>
-            <a:r>
-              <a:rPr lang="ru-RU" altLang="ru-RU" smtClean="0"/>
-              <a:t>в </a:t>
+              <a:t>шуму в </a:t>
             </a:r>
             <a:r>
               <a:rPr lang="ru-RU" altLang="ru-RU" dirty="0" smtClean="0"/>
